--- a/documentation/Data Scraping and Visualisation with Python.pptx
+++ b/documentation/Data Scraping and Visualisation with Python.pptx
@@ -5,20 +5,22 @@
     <p:sldMasterId id="2147483924" r:id="rId1"/>
   </p:sldMasterIdLst>
   <p:notesMasterIdLst>
-    <p:notesMasterId r:id="rId10"/>
+    <p:notesMasterId r:id="rId12"/>
   </p:notesMasterIdLst>
   <p:handoutMasterIdLst>
-    <p:handoutMasterId r:id="rId11"/>
+    <p:handoutMasterId r:id="rId13"/>
   </p:handoutMasterIdLst>
   <p:sldIdLst>
     <p:sldId id="268" r:id="rId2"/>
     <p:sldId id="269" r:id="rId3"/>
     <p:sldId id="279" r:id="rId4"/>
-    <p:sldId id="270" r:id="rId5"/>
-    <p:sldId id="271" r:id="rId6"/>
-    <p:sldId id="280" r:id="rId7"/>
-    <p:sldId id="272" r:id="rId8"/>
-    <p:sldId id="273" r:id="rId9"/>
+    <p:sldId id="281" r:id="rId5"/>
+    <p:sldId id="282" r:id="rId6"/>
+    <p:sldId id="270" r:id="rId7"/>
+    <p:sldId id="271" r:id="rId8"/>
+    <p:sldId id="280" r:id="rId9"/>
+    <p:sldId id="273" r:id="rId10"/>
+    <p:sldId id="284" r:id="rId11"/>
   </p:sldIdLst>
   <p:sldSz cx="12188825" cy="6858000"/>
   <p:notesSz cx="6858000" cy="9144000"/>
@@ -247,7 +249,7 @@
           <a:p>
             <a:fld id="{BEA74EB7-856E-45FD-83F0-5F7C6F3E4372}" type="datetimeFigureOut">
               <a:rPr lang="en-US"/>
-              <a:t>10/13/2023</a:t>
+              <a:t>11/25/2023</a:t>
             </a:fld>
             <a:endParaRPr dirty="0"/>
           </a:p>
@@ -412,7 +414,7 @@
           <a:p>
             <a:fld id="{C61B0E40-8125-41F8-BB6C-139D8D531A4F}" type="datetimeFigureOut">
               <a:rPr lang="en-US"/>
-              <a:t>10/13/2023</a:t>
+              <a:t>11/25/2023</a:t>
             </a:fld>
             <a:endParaRPr dirty="0"/>
           </a:p>
@@ -991,7 +993,7 @@
           <a:p>
             <a:fld id="{BF105DB2-FD3E-441D-8B7E-7AE83ECE27B3}" type="slidenum">
               <a:rPr lang="en-US" smtClean="0"/>
-              <a:t>4</a:t>
+              <a:t>6</a:t>
             </a:fld>
             <a:endParaRPr lang="en-US" dirty="0"/>
           </a:p>
@@ -1075,7 +1077,7 @@
           <a:p>
             <a:fld id="{BF105DB2-FD3E-441D-8B7E-7AE83ECE27B3}" type="slidenum">
               <a:rPr lang="en-US" smtClean="0"/>
-              <a:t>5</a:t>
+              <a:t>7</a:t>
             </a:fld>
             <a:endParaRPr lang="en-US" dirty="0"/>
           </a:p>
@@ -1159,7 +1161,7 @@
           <a:p>
             <a:fld id="{BF105DB2-FD3E-441D-8B7E-7AE83ECE27B3}" type="slidenum">
               <a:rPr lang="en-US" smtClean="0"/>
-              <a:t>6</a:t>
+              <a:t>8</a:t>
             </a:fld>
             <a:endParaRPr lang="en-US" dirty="0"/>
           </a:p>
@@ -1243,91 +1245,7 @@
           <a:p>
             <a:fld id="{BF105DB2-FD3E-441D-8B7E-7AE83ECE27B3}" type="slidenum">
               <a:rPr lang="en-US" smtClean="0"/>
-              <a:t>7</a:t>
-            </a:fld>
-            <a:endParaRPr lang="en-US" dirty="0"/>
-          </a:p>
-        </p:txBody>
-      </p:sp>
-    </p:spTree>
-    <p:extLst>
-      <p:ext uri="{BB962C8B-B14F-4D97-AF65-F5344CB8AC3E}">
-        <p14:creationId xmlns:p14="http://schemas.microsoft.com/office/powerpoint/2010/main" val="1965874506"/>
-      </p:ext>
-    </p:extLst>
-  </p:cSld>
-  <p:clrMapOvr>
-    <a:masterClrMapping/>
-  </p:clrMapOvr>
-</p:notes>
-</file>
-
-<file path=ppt/notesSlides/notesSlide8.xml><?xml version="1.0" encoding="utf-8"?>
-<p:notes xmlns:a="http://schemas.openxmlformats.org/drawingml/2006/main" xmlns:r="http://schemas.openxmlformats.org/officeDocument/2006/relationships" xmlns:p="http://schemas.openxmlformats.org/presentationml/2006/main">
-  <p:cSld>
-    <p:spTree>
-      <p:nvGrpSpPr>
-        <p:cNvPr id="1" name=""/>
-        <p:cNvGrpSpPr/>
-        <p:nvPr/>
-      </p:nvGrpSpPr>
-      <p:grpSpPr>
-        <a:xfrm>
-          <a:off x="0" y="0"/>
-          <a:ext cx="0" cy="0"/>
-          <a:chOff x="0" y="0"/>
-          <a:chExt cx="0" cy="0"/>
-        </a:xfrm>
-      </p:grpSpPr>
-      <p:sp>
-        <p:nvSpPr>
-          <p:cNvPr id="2" name="Slide Image Placeholder 1"/>
-          <p:cNvSpPr>
-            <a:spLocks noGrp="1" noRot="1" noChangeAspect="1"/>
-          </p:cNvSpPr>
-          <p:nvPr>
-            <p:ph type="sldImg"/>
-          </p:nvPr>
-        </p:nvSpPr>
-        <p:spPr/>
-      </p:sp>
-      <p:sp>
-        <p:nvSpPr>
-          <p:cNvPr id="3" name="Notes Placeholder 2"/>
-          <p:cNvSpPr>
-            <a:spLocks noGrp="1"/>
-          </p:cNvSpPr>
-          <p:nvPr>
-            <p:ph type="body" idx="1"/>
-          </p:nvPr>
-        </p:nvSpPr>
-        <p:spPr/>
-        <p:txBody>
-          <a:bodyPr/>
-          <a:lstStyle/>
-          <a:p>
-            <a:endParaRPr lang="en-US"/>
-          </a:p>
-        </p:txBody>
-      </p:sp>
-      <p:sp>
-        <p:nvSpPr>
-          <p:cNvPr id="4" name="Slide Number Placeholder 3"/>
-          <p:cNvSpPr>
-            <a:spLocks noGrp="1"/>
-          </p:cNvSpPr>
-          <p:nvPr>
-            <p:ph type="sldNum" sz="quarter" idx="10"/>
-          </p:nvPr>
-        </p:nvSpPr>
-        <p:spPr/>
-        <p:txBody>
-          <a:bodyPr/>
-          <a:lstStyle/>
-          <a:p>
-            <a:fld id="{BF105DB2-FD3E-441D-8B7E-7AE83ECE27B3}" type="slidenum">
-              <a:rPr lang="en-US" smtClean="0"/>
-              <a:t>8</a:t>
+              <a:t>9</a:t>
             </a:fld>
             <a:endParaRPr lang="en-US" dirty="0"/>
           </a:p>
@@ -1924,7 +1842,7 @@
           <a:p>
             <a:fld id="{333B76B7-5811-4114-8A95-998148FFD529}" type="datetime1">
               <a:rPr lang="en-US" smtClean="0"/>
-              <a:t>10/13/2023</a:t>
+              <a:t>11/25/2023</a:t>
             </a:fld>
             <a:endParaRPr lang="en-US" dirty="0"/>
           </a:p>
@@ -2126,7 +2044,7 @@
           <a:p>
             <a:fld id="{175C077A-EF7A-41AA-8976-110EB7416C60}" type="datetime1">
               <a:rPr lang="en-US" smtClean="0"/>
-              <a:t>10/13/2023</a:t>
+              <a:t>11/25/2023</a:t>
             </a:fld>
             <a:endParaRPr lang="en-US" dirty="0"/>
           </a:p>
@@ -2338,7 +2256,7 @@
           <a:p>
             <a:fld id="{CFF5912B-6681-4BDF-AE10-F59636249FF3}" type="datetime1">
               <a:rPr lang="en-US" smtClean="0"/>
-              <a:t>10/13/2023</a:t>
+              <a:t>11/25/2023</a:t>
             </a:fld>
             <a:endParaRPr lang="en-US" dirty="0"/>
           </a:p>
@@ -2530,7 +2448,7 @@
           <a:p>
             <a:fld id="{905C8E22-D0BA-4CB4-9C32-B27533199514}" type="datetime1">
               <a:rPr lang="en-US" smtClean="0"/>
-              <a:t>10/13/2023</a:t>
+              <a:t>11/25/2023</a:t>
             </a:fld>
             <a:endParaRPr dirty="0"/>
           </a:p>
@@ -2722,7 +2640,7 @@
           <a:p>
             <a:fld id="{FC2180A9-7A83-412D-A8AC-5AF60A8AA507}" type="datetime1">
               <a:rPr lang="en-US" smtClean="0"/>
-              <a:t>10/13/2023</a:t>
+              <a:t>11/25/2023</a:t>
             </a:fld>
             <a:endParaRPr lang="en-US" dirty="0"/>
           </a:p>
@@ -3005,7 +2923,7 @@
           <a:p>
             <a:fld id="{6A563DF0-FDDF-4143-9D8C-6AF41892E174}" type="datetime1">
               <a:rPr lang="en-US" smtClean="0"/>
-              <a:t>10/13/2023</a:t>
+              <a:t>11/25/2023</a:t>
             </a:fld>
             <a:endParaRPr lang="en-US" dirty="0"/>
           </a:p>
@@ -3321,7 +3239,7 @@
           <a:p>
             <a:fld id="{38BB83F9-4677-4C31-8407-7919061A580B}" type="datetime1">
               <a:rPr lang="en-US" smtClean="0"/>
-              <a:t>10/13/2023</a:t>
+              <a:t>11/25/2023</a:t>
             </a:fld>
             <a:endParaRPr lang="en-US" dirty="0"/>
           </a:p>
@@ -3773,7 +3691,7 @@
           <a:p>
             <a:fld id="{C33939A6-3450-434F-A872-BEE63F7EB093}" type="datetime1">
               <a:rPr lang="en-US" smtClean="0"/>
-              <a:t>10/13/2023</a:t>
+              <a:t>11/25/2023</a:t>
             </a:fld>
             <a:endParaRPr lang="en-US" dirty="0"/>
           </a:p>
@@ -3907,7 +3825,7 @@
           <a:p>
             <a:fld id="{E3BABB1C-FA00-4171-BA31-4C5E719472F3}" type="datetime1">
               <a:rPr lang="en-US" smtClean="0"/>
-              <a:t>10/13/2023</a:t>
+              <a:t>11/25/2023</a:t>
             </a:fld>
             <a:endParaRPr lang="en-US" dirty="0"/>
           </a:p>
@@ -4168,7 +4086,7 @@
           <a:p>
             <a:fld id="{D76C8610-5B57-4C6B-BF9F-F5397A1F60B8}" type="datetime1">
               <a:rPr lang="en-US" smtClean="0"/>
-              <a:t>10/13/2023</a:t>
+              <a:t>11/25/2023</a:t>
             </a:fld>
             <a:endParaRPr lang="en-US" dirty="0"/>
           </a:p>
@@ -4519,7 +4437,7 @@
           <a:p>
             <a:fld id="{BADBF3DD-8B6D-46AA-BCA9-242D4EF63DDF}" type="datetime1">
               <a:rPr lang="en-US" smtClean="0"/>
-              <a:t>10/13/2023</a:t>
+              <a:t>11/25/2023</a:t>
             </a:fld>
             <a:endParaRPr lang="en-US" dirty="0"/>
           </a:p>
@@ -4858,7 +4776,7 @@
           <a:p>
             <a:fld id="{23C41AE9-3D4A-4A08-B03D-DC6D2ADF5464}" type="datetime1">
               <a:rPr lang="en-US" smtClean="0"/>
-              <a:t>10/13/2023</a:t>
+              <a:t>11/25/2023</a:t>
             </a:fld>
             <a:endParaRPr lang="en-US" dirty="0"/>
           </a:p>
@@ -5405,7 +5323,7 @@
             <a:fld id="{5C6E67D0-0200-42BE-A0B2-78C70FBBB312}" type="datetime1">
               <a:rPr lang="en-US" smtClean="0"/>
               <a:pPr/>
-              <a:t>10/13/2023</a:t>
+              <a:t>11/25/2023</a:t>
             </a:fld>
             <a:endParaRPr lang="en-US" dirty="0"/>
           </a:p>
@@ -5875,11 +5793,11 @@
             </a:r>
             <a:r>
               <a:rPr lang="en-US" dirty="0" err="1"/>
-              <a:t>Singh|Parth</a:t>
+              <a:t>Singh|by</a:t>
             </a:r>
             <a:r>
               <a:rPr lang="en-US" dirty="0"/>
-              <a:t> Verma, Anmol Sahni</a:t>
+              <a:t> Parth Verma, Anmol Sahni</a:t>
             </a:r>
           </a:p>
         </p:txBody>
@@ -5888,6 +5806,82 @@
     <p:extLst>
       <p:ext uri="{BB962C8B-B14F-4D97-AF65-F5344CB8AC3E}">
         <p14:creationId xmlns:p14="http://schemas.microsoft.com/office/powerpoint/2010/main" val="2957189582"/>
+      </p:ext>
+    </p:extLst>
+  </p:cSld>
+  <p:clrMapOvr>
+    <a:masterClrMapping/>
+  </p:clrMapOvr>
+  <mc:AlternateContent xmlns:mc="http://schemas.openxmlformats.org/markup-compatibility/2006" xmlns:p14="http://schemas.microsoft.com/office/powerpoint/2010/main">
+    <mc:Choice Requires="p14">
+      <p:transition spd="med" p14:dur="700">
+        <p:fade/>
+      </p:transition>
+    </mc:Choice>
+    <mc:Fallback xmlns="">
+      <p:transition spd="med">
+        <p:fade/>
+      </p:transition>
+    </mc:Fallback>
+  </mc:AlternateContent>
+</p:sld>
+</file>
+
+<file path=ppt/slides/slide10.xml><?xml version="1.0" encoding="utf-8"?>
+<p:sld xmlns:a="http://schemas.openxmlformats.org/drawingml/2006/main" xmlns:r="http://schemas.openxmlformats.org/officeDocument/2006/relationships" xmlns:p="http://schemas.openxmlformats.org/presentationml/2006/main">
+  <p:cSld>
+    <p:spTree>
+      <p:nvGrpSpPr>
+        <p:cNvPr id="1" name=""/>
+        <p:cNvGrpSpPr/>
+        <p:nvPr/>
+      </p:nvGrpSpPr>
+      <p:grpSpPr>
+        <a:xfrm>
+          <a:off x="0" y="0"/>
+          <a:ext cx="0" cy="0"/>
+          <a:chOff x="0" y="0"/>
+          <a:chExt cx="0" cy="0"/>
+        </a:xfrm>
+      </p:grpSpPr>
+      <p:sp>
+        <p:nvSpPr>
+          <p:cNvPr id="2" name="Title 1">
+            <a:extLst>
+              <a:ext uri="{FF2B5EF4-FFF2-40B4-BE49-F238E27FC236}">
+                <a16:creationId xmlns:a16="http://schemas.microsoft.com/office/drawing/2014/main" id="{8E9F2109-46F7-2DD8-C5E7-D570BB169BE1}"/>
+              </a:ext>
+            </a:extLst>
+          </p:cNvPr>
+          <p:cNvSpPr>
+            <a:spLocks noGrp="1"/>
+          </p:cNvSpPr>
+          <p:nvPr>
+            <p:ph type="ctrTitle"/>
+          </p:nvPr>
+        </p:nvSpPr>
+        <p:spPr>
+          <a:xfrm>
+            <a:off x="1414910" y="2492896"/>
+            <a:ext cx="9143998" cy="1359024"/>
+          </a:xfrm>
+        </p:spPr>
+        <p:txBody>
+          <a:bodyPr/>
+          <a:lstStyle/>
+          <a:p>
+            <a:pPr algn="ctr"/>
+            <a:r>
+              <a:rPr lang="en-IN" dirty="0"/>
+              <a:t>THANK YOU</a:t>
+            </a:r>
+          </a:p>
+        </p:txBody>
+      </p:sp>
+    </p:spTree>
+    <p:extLst>
+      <p:ext uri="{BB962C8B-B14F-4D97-AF65-F5344CB8AC3E}">
+        <p14:creationId xmlns:p14="http://schemas.microsoft.com/office/powerpoint/2010/main" val="1712732552"/>
       </p:ext>
     </p:extLst>
   </p:cSld>
@@ -6092,12 +6086,6 @@
           </a:p>
           <a:p>
             <a:r>
-              <a:rPr lang="en-US" dirty="0"/>
-              <a:t>Live data scraping data with optimum speed.</a:t>
-            </a:r>
-          </a:p>
-          <a:p>
-            <a:r>
               <a:rPr lang="en-US" dirty="0" err="1"/>
               <a:t>Visualising</a:t>
             </a:r>
@@ -6142,6 +6130,211 @@
 </file>
 
 <file path=ppt/slides/slide4.xml><?xml version="1.0" encoding="utf-8"?>
+<p:sld xmlns:a="http://schemas.openxmlformats.org/drawingml/2006/main" xmlns:r="http://schemas.openxmlformats.org/officeDocument/2006/relationships" xmlns:p="http://schemas.openxmlformats.org/presentationml/2006/main">
+  <p:cSld>
+    <p:spTree>
+      <p:nvGrpSpPr>
+        <p:cNvPr id="1" name=""/>
+        <p:cNvGrpSpPr/>
+        <p:nvPr/>
+      </p:nvGrpSpPr>
+      <p:grpSpPr>
+        <a:xfrm>
+          <a:off x="0" y="0"/>
+          <a:ext cx="0" cy="0"/>
+          <a:chOff x="0" y="0"/>
+          <a:chExt cx="0" cy="0"/>
+        </a:xfrm>
+      </p:grpSpPr>
+      <p:pic>
+        <p:nvPicPr>
+          <p:cNvPr id="5" name="Picture 4">
+            <a:extLst>
+              <a:ext uri="{FF2B5EF4-FFF2-40B4-BE49-F238E27FC236}">
+                <a16:creationId xmlns:a16="http://schemas.microsoft.com/office/drawing/2014/main" id="{726F82F7-BEBA-D5D7-425F-AEA749C4905B}"/>
+              </a:ext>
+            </a:extLst>
+          </p:cNvPr>
+          <p:cNvPicPr>
+            <a:picLocks noChangeAspect="1"/>
+          </p:cNvPicPr>
+          <p:nvPr/>
+        </p:nvPicPr>
+        <p:blipFill>
+          <a:blip r:embed="rId2"/>
+          <a:stretch>
+            <a:fillRect/>
+          </a:stretch>
+        </p:blipFill>
+        <p:spPr>
+          <a:xfrm>
+            <a:off x="3908895" y="2887960"/>
+            <a:ext cx="4371034" cy="1082080"/>
+          </a:xfrm>
+          <a:prstGeom prst="rect">
+            <a:avLst/>
+          </a:prstGeom>
+        </p:spPr>
+      </p:pic>
+      <p:sp>
+        <p:nvSpPr>
+          <p:cNvPr id="6" name="Title 1">
+            <a:extLst>
+              <a:ext uri="{FF2B5EF4-FFF2-40B4-BE49-F238E27FC236}">
+                <a16:creationId xmlns:a16="http://schemas.microsoft.com/office/drawing/2014/main" id="{C4B22662-DED8-8CC5-39AE-DC5537666407}"/>
+              </a:ext>
+            </a:extLst>
+          </p:cNvPr>
+          <p:cNvSpPr>
+            <a:spLocks noGrp="1"/>
+          </p:cNvSpPr>
+          <p:nvPr>
+            <p:ph type="title"/>
+          </p:nvPr>
+        </p:nvSpPr>
+        <p:spPr>
+          <a:xfrm>
+            <a:off x="1522876" y="609600"/>
+            <a:ext cx="9143538" cy="1066800"/>
+          </a:xfrm>
+        </p:spPr>
+        <p:txBody>
+          <a:bodyPr/>
+          <a:lstStyle/>
+          <a:p>
+            <a:r>
+              <a:rPr lang="en-US" dirty="0"/>
+              <a:t>User Input</a:t>
+            </a:r>
+          </a:p>
+        </p:txBody>
+      </p:sp>
+    </p:spTree>
+    <p:extLst>
+      <p:ext uri="{BB962C8B-B14F-4D97-AF65-F5344CB8AC3E}">
+        <p14:creationId xmlns:p14="http://schemas.microsoft.com/office/powerpoint/2010/main" val="298127568"/>
+      </p:ext>
+    </p:extLst>
+  </p:cSld>
+  <p:clrMapOvr>
+    <a:masterClrMapping/>
+  </p:clrMapOvr>
+  <mc:AlternateContent xmlns:mc="http://schemas.openxmlformats.org/markup-compatibility/2006" xmlns:p14="http://schemas.microsoft.com/office/powerpoint/2010/main">
+    <mc:Choice Requires="p14">
+      <p:transition spd="med" p14:dur="700">
+        <p:fade/>
+      </p:transition>
+    </mc:Choice>
+    <mc:Fallback xmlns="">
+      <p:transition spd="med">
+        <p:fade/>
+      </p:transition>
+    </mc:Fallback>
+  </mc:AlternateContent>
+</p:sld>
+</file>
+
+<file path=ppt/slides/slide5.xml><?xml version="1.0" encoding="utf-8"?>
+<p:sld xmlns:a="http://schemas.openxmlformats.org/drawingml/2006/main" xmlns:r="http://schemas.openxmlformats.org/officeDocument/2006/relationships" xmlns:p="http://schemas.openxmlformats.org/presentationml/2006/main">
+  <p:cSld>
+    <p:spTree>
+      <p:nvGrpSpPr>
+        <p:cNvPr id="1" name=""/>
+        <p:cNvGrpSpPr/>
+        <p:nvPr/>
+      </p:nvGrpSpPr>
+      <p:grpSpPr>
+        <a:xfrm>
+          <a:off x="0" y="0"/>
+          <a:ext cx="0" cy="0"/>
+          <a:chOff x="0" y="0"/>
+          <a:chExt cx="0" cy="0"/>
+        </a:xfrm>
+      </p:grpSpPr>
+      <p:sp>
+        <p:nvSpPr>
+          <p:cNvPr id="2" name="Title 1">
+            <a:extLst>
+              <a:ext uri="{FF2B5EF4-FFF2-40B4-BE49-F238E27FC236}">
+                <a16:creationId xmlns:a16="http://schemas.microsoft.com/office/drawing/2014/main" id="{BEBC71B8-68A8-0D92-9F95-CDB7C038E72B}"/>
+              </a:ext>
+            </a:extLst>
+          </p:cNvPr>
+          <p:cNvSpPr>
+            <a:spLocks noGrp="1"/>
+          </p:cNvSpPr>
+          <p:nvPr>
+            <p:ph type="title"/>
+          </p:nvPr>
+        </p:nvSpPr>
+        <p:spPr/>
+        <p:txBody>
+          <a:bodyPr/>
+          <a:lstStyle/>
+          <a:p>
+            <a:r>
+              <a:rPr lang="en-IN" dirty="0"/>
+              <a:t>Derived Insights</a:t>
+            </a:r>
+          </a:p>
+        </p:txBody>
+      </p:sp>
+      <p:pic>
+        <p:nvPicPr>
+          <p:cNvPr id="5" name="Picture 4">
+            <a:extLst>
+              <a:ext uri="{FF2B5EF4-FFF2-40B4-BE49-F238E27FC236}">
+                <a16:creationId xmlns:a16="http://schemas.microsoft.com/office/drawing/2014/main" id="{7CF5C71E-F0B0-171A-7B9D-2F05FEFF8FB8}"/>
+              </a:ext>
+            </a:extLst>
+          </p:cNvPr>
+          <p:cNvPicPr>
+            <a:picLocks noChangeAspect="1"/>
+          </p:cNvPicPr>
+          <p:nvPr/>
+        </p:nvPicPr>
+        <p:blipFill>
+          <a:blip r:embed="rId2"/>
+          <a:stretch>
+            <a:fillRect/>
+          </a:stretch>
+        </p:blipFill>
+        <p:spPr>
+          <a:xfrm>
+            <a:off x="2854052" y="1940091"/>
+            <a:ext cx="6060991" cy="3681021"/>
+          </a:xfrm>
+          <a:prstGeom prst="rect">
+            <a:avLst/>
+          </a:prstGeom>
+        </p:spPr>
+      </p:pic>
+    </p:spTree>
+    <p:extLst>
+      <p:ext uri="{BB962C8B-B14F-4D97-AF65-F5344CB8AC3E}">
+        <p14:creationId xmlns:p14="http://schemas.microsoft.com/office/powerpoint/2010/main" val="2264317188"/>
+      </p:ext>
+    </p:extLst>
+  </p:cSld>
+  <p:clrMapOvr>
+    <a:masterClrMapping/>
+  </p:clrMapOvr>
+  <mc:AlternateContent xmlns:mc="http://schemas.openxmlformats.org/markup-compatibility/2006" xmlns:p14="http://schemas.microsoft.com/office/powerpoint/2010/main">
+    <mc:Choice Requires="p14">
+      <p:transition spd="med" p14:dur="700">
+        <p:fade/>
+      </p:transition>
+    </mc:Choice>
+    <mc:Fallback xmlns="">
+      <p:transition spd="med">
+        <p:fade/>
+      </p:transition>
+    </mc:Fallback>
+  </mc:AlternateContent>
+</p:sld>
+</file>
+
+<file path=ppt/slides/slide6.xml><?xml version="1.0" encoding="utf-8"?>
 <p:sld xmlns:a="http://schemas.openxmlformats.org/drawingml/2006/main" xmlns:r="http://schemas.openxmlformats.org/officeDocument/2006/relationships" xmlns:p="http://schemas.openxmlformats.org/presentationml/2006/main">
   <p:cSld>
     <p:spTree>
@@ -6548,7 +6741,7 @@
 </p:sld>
 </file>
 
-<file path=ppt/slides/slide5.xml><?xml version="1.0" encoding="utf-8"?>
+<file path=ppt/slides/slide7.xml><?xml version="1.0" encoding="utf-8"?>
 <p:sld xmlns:a="http://schemas.openxmlformats.org/drawingml/2006/main" xmlns:r="http://schemas.openxmlformats.org/officeDocument/2006/relationships" xmlns:p="http://schemas.openxmlformats.org/presentationml/2006/main">
   <p:cSld>
     <p:spTree>
@@ -6618,21 +6811,21 @@
             <a:pPr lvl="1"/>
             <a:r>
               <a:rPr lang="en-US" sz="1800" dirty="0"/>
-              <a:t>RAM: 4 Gb minimum</a:t>
+              <a:t>RAM: 8 Gb minimum</a:t>
             </a:r>
           </a:p>
           <a:p>
             <a:pPr lvl="1"/>
             <a:r>
               <a:rPr lang="en-US" sz="1800" dirty="0"/>
-              <a:t>Storage: 1 Gb minimum</a:t>
+              <a:t>Storage: 50 Gb minimum</a:t>
             </a:r>
           </a:p>
           <a:p>
             <a:pPr lvl="1"/>
             <a:r>
               <a:rPr lang="en-US" sz="1800" dirty="0"/>
-              <a:t>Internet speed over 30mbps</a:t>
+              <a:t>Internet speed over 100mbps</a:t>
             </a:r>
           </a:p>
           <a:p>
@@ -6665,7 +6858,7 @@
 </p:sld>
 </file>
 
-<file path=ppt/slides/slide6.xml><?xml version="1.0" encoding="utf-8"?>
+<file path=ppt/slides/slide8.xml><?xml version="1.0" encoding="utf-8"?>
 <p:sld xmlns:a="http://schemas.openxmlformats.org/drawingml/2006/main" xmlns:r="http://schemas.openxmlformats.org/officeDocument/2006/relationships" xmlns:p="http://schemas.openxmlformats.org/presentationml/2006/main">
   <p:cSld>
     <p:spTree>
@@ -6763,15 +6956,28 @@
             <a:pPr lvl="1"/>
             <a:r>
               <a:rPr lang="en-US" sz="1800" dirty="0"/>
-              <a:t>Scraping libraries - Beautiful Soup, Selenium</a:t>
+              <a:t>Scraping libraries - Beautiful Soup</a:t>
             </a:r>
           </a:p>
           <a:p>
             <a:pPr lvl="1"/>
             <a:r>
               <a:rPr lang="en-US" sz="1800" dirty="0"/>
-              <a:t>Data analysis tools –Matplotlib, Seaborn, Pandas, NumPy, </a:t>
-            </a:r>
+              <a:t>Data analysis tools –Matplotlib, </a:t>
+            </a:r>
+            <a:r>
+              <a:rPr lang="en-US" sz="1800" dirty="0" err="1"/>
+              <a:t>Plotly</a:t>
+            </a:r>
+            <a:r>
+              <a:rPr lang="en-US" sz="1800" dirty="0"/>
+              <a:t> , Pandas, NumPy, Collections, </a:t>
+            </a:r>
+            <a:r>
+              <a:rPr lang="en-US" sz="1800" dirty="0" err="1"/>
+              <a:t>Plotly</a:t>
+            </a:r>
+            <a:endParaRPr lang="en-US" sz="1800" dirty="0"/>
           </a:p>
           <a:p>
             <a:pPr lvl="1"/>
@@ -6814,359 +7020,7 @@
 </p:sld>
 </file>
 
-<file path=ppt/slides/slide7.xml><?xml version="1.0" encoding="utf-8"?>
-<p:sld xmlns:a="http://schemas.openxmlformats.org/drawingml/2006/main" xmlns:r="http://schemas.openxmlformats.org/officeDocument/2006/relationships" xmlns:p="http://schemas.openxmlformats.org/presentationml/2006/main">
-  <p:cSld>
-    <p:spTree>
-      <p:nvGrpSpPr>
-        <p:cNvPr id="1" name=""/>
-        <p:cNvGrpSpPr/>
-        <p:nvPr/>
-      </p:nvGrpSpPr>
-      <p:grpSpPr>
-        <a:xfrm>
-          <a:off x="0" y="0"/>
-          <a:ext cx="0" cy="0"/>
-          <a:chOff x="0" y="0"/>
-          <a:chExt cx="0" cy="0"/>
-        </a:xfrm>
-      </p:grpSpPr>
-      <p:sp>
-        <p:nvSpPr>
-          <p:cNvPr id="3" name="Title 2"/>
-          <p:cNvSpPr>
-            <a:spLocks noGrp="1"/>
-          </p:cNvSpPr>
-          <p:nvPr>
-            <p:ph type="title"/>
-          </p:nvPr>
-        </p:nvSpPr>
-        <p:spPr/>
-        <p:txBody>
-          <a:bodyPr/>
-          <a:lstStyle/>
-          <a:p>
-            <a:r>
-              <a:rPr lang="en-US" dirty="0"/>
-              <a:t>Testing Methodology</a:t>
-            </a:r>
-          </a:p>
-        </p:txBody>
-      </p:sp>
-      <p:sp>
-        <p:nvSpPr>
-          <p:cNvPr id="2" name="Content Placeholder 1"/>
-          <p:cNvSpPr>
-            <a:spLocks noGrp="1"/>
-          </p:cNvSpPr>
-          <p:nvPr>
-            <p:ph idx="1"/>
-          </p:nvPr>
-        </p:nvSpPr>
-        <p:spPr/>
-        <p:txBody>
-          <a:bodyPr>
-            <a:normAutofit fontScale="92500"/>
-          </a:bodyPr>
-          <a:lstStyle/>
-          <a:p>
-            <a:r>
-              <a:rPr lang="en-US" dirty="0"/>
-              <a:t>Manually inspect and validate the scraped data from different sources to ensure accuracy, completeness, and integrity.</a:t>
-            </a:r>
-          </a:p>
-          <a:p>
-            <a:r>
-              <a:rPr lang="en-US" dirty="0"/>
-              <a:t>Verify that the data processing and transformation procedures meet expectations.</a:t>
-            </a:r>
-          </a:p>
-          <a:p>
-            <a:r>
-              <a:rPr lang="en-US" dirty="0"/>
-              <a:t>Review data visualizations to ensure they accurately represent the data.</a:t>
-            </a:r>
-          </a:p>
-          <a:p>
-            <a:r>
-              <a:rPr lang="en-US" dirty="0"/>
-              <a:t>Check for </a:t>
-            </a:r>
-            <a:r>
-              <a:rPr lang="en-US" dirty="0" err="1"/>
-              <a:t>visualisation</a:t>
-            </a:r>
-            <a:r>
-              <a:rPr lang="en-US" dirty="0"/>
-              <a:t> and design consistency.</a:t>
-            </a:r>
-          </a:p>
-          <a:p>
-            <a:r>
-              <a:rPr lang="en-US" dirty="0"/>
-              <a:t>Verify that users can interact and understand the data visualizations.</a:t>
-            </a:r>
-          </a:p>
-          <a:p>
-            <a:r>
-              <a:rPr lang="en-US" dirty="0"/>
-              <a:t>Monitor response times, system resource usage, and scalability.</a:t>
-            </a:r>
-          </a:p>
-        </p:txBody>
-      </p:sp>
-      <p:sp>
-        <p:nvSpPr>
-          <p:cNvPr id="4" name="Text Placeholder 7"/>
-          <p:cNvSpPr txBox="1">
-            <a:spLocks/>
-          </p:cNvSpPr>
-          <p:nvPr/>
-        </p:nvSpPr>
-        <p:spPr>
-          <a:xfrm>
-            <a:off x="1539575" y="5715000"/>
-            <a:ext cx="9126838" cy="533400"/>
-          </a:xfrm>
-          <a:prstGeom prst="rect">
-            <a:avLst/>
-          </a:prstGeom>
-        </p:spPr>
-        <p:txBody>
-          <a:bodyPr anchor="b">
-            <a:normAutofit/>
-          </a:bodyPr>
-          <a:lstStyle>
-            <a:lvl1pPr marL="0" indent="0" algn="l" defTabSz="914400" rtl="0" eaLnBrk="1" latinLnBrk="0" hangingPunct="1">
-              <a:lnSpc>
-                <a:spcPct val="90000"/>
-              </a:lnSpc>
-              <a:spcBef>
-                <a:spcPts val="1800"/>
-              </a:spcBef>
-              <a:buClr>
-                <a:schemeClr val="tx1"/>
-              </a:buClr>
-              <a:buSzPct val="80000"/>
-              <a:buFont typeface="Wingdings" pitchFamily="2" charset="2"/>
-              <a:buNone/>
-              <a:defRPr sz="1800" kern="1200">
-                <a:solidFill>
-                  <a:schemeClr val="tx1"/>
-                </a:solidFill>
-                <a:latin typeface="+mn-lt"/>
-                <a:ea typeface="+mn-ea"/>
-                <a:cs typeface="+mn-cs"/>
-              </a:defRPr>
-            </a:lvl1pPr>
-            <a:lvl2pPr marL="320040" indent="0" algn="l" defTabSz="914400" rtl="0" eaLnBrk="1" latinLnBrk="0" hangingPunct="1">
-              <a:lnSpc>
-                <a:spcPct val="90000"/>
-              </a:lnSpc>
-              <a:spcBef>
-                <a:spcPts val="1000"/>
-              </a:spcBef>
-              <a:buClr>
-                <a:schemeClr val="tx1"/>
-              </a:buClr>
-              <a:buSzPct val="100000"/>
-              <a:buFont typeface="Arial" pitchFamily="34" charset="0"/>
-              <a:buNone/>
-              <a:defRPr sz="2000" kern="1200">
-                <a:solidFill>
-                  <a:schemeClr val="tx1"/>
-                </a:solidFill>
-                <a:latin typeface="+mn-lt"/>
-                <a:ea typeface="+mn-ea"/>
-                <a:cs typeface="+mn-cs"/>
-              </a:defRPr>
-            </a:lvl2pPr>
-            <a:lvl3pPr marL="594360" indent="0" algn="l" defTabSz="914400" rtl="0" eaLnBrk="1" latinLnBrk="0" hangingPunct="1">
-              <a:lnSpc>
-                <a:spcPct val="90000"/>
-              </a:lnSpc>
-              <a:spcBef>
-                <a:spcPts val="800"/>
-              </a:spcBef>
-              <a:buClr>
-                <a:schemeClr val="tx1"/>
-              </a:buClr>
-              <a:buSzPct val="80000"/>
-              <a:buFont typeface="Wingdings" pitchFamily="2" charset="2"/>
-              <a:buNone/>
-              <a:defRPr sz="1800" kern="1200">
-                <a:solidFill>
-                  <a:schemeClr val="tx1"/>
-                </a:solidFill>
-                <a:latin typeface="+mn-lt"/>
-                <a:ea typeface="+mn-ea"/>
-                <a:cs typeface="+mn-cs"/>
-              </a:defRPr>
-            </a:lvl3pPr>
-            <a:lvl4pPr marL="868680" indent="0" algn="l" defTabSz="914400" rtl="0" eaLnBrk="1" latinLnBrk="0" hangingPunct="1">
-              <a:lnSpc>
-                <a:spcPct val="90000"/>
-              </a:lnSpc>
-              <a:spcBef>
-                <a:spcPts val="800"/>
-              </a:spcBef>
-              <a:buClr>
-                <a:schemeClr val="tx1"/>
-              </a:buClr>
-              <a:buSzPct val="100000"/>
-              <a:buFont typeface="Arial" pitchFamily="34" charset="0"/>
-              <a:buNone/>
-              <a:defRPr sz="1600" kern="1200">
-                <a:solidFill>
-                  <a:schemeClr val="tx1"/>
-                </a:solidFill>
-                <a:latin typeface="+mn-lt"/>
-                <a:ea typeface="+mn-ea"/>
-                <a:cs typeface="+mn-cs"/>
-              </a:defRPr>
-            </a:lvl4pPr>
-            <a:lvl5pPr marL="1097280" indent="0" algn="l" defTabSz="914400" rtl="0" eaLnBrk="1" latinLnBrk="0" hangingPunct="1">
-              <a:lnSpc>
-                <a:spcPct val="90000"/>
-              </a:lnSpc>
-              <a:spcBef>
-                <a:spcPts val="800"/>
-              </a:spcBef>
-              <a:buClr>
-                <a:schemeClr val="tx1"/>
-              </a:buClr>
-              <a:buSzPct val="80000"/>
-              <a:buFont typeface="Wingdings" pitchFamily="2" charset="2"/>
-              <a:buNone/>
-              <a:defRPr sz="1600" kern="1200">
-                <a:solidFill>
-                  <a:schemeClr val="tx1"/>
-                </a:solidFill>
-                <a:latin typeface="+mn-lt"/>
-                <a:ea typeface="+mn-ea"/>
-                <a:cs typeface="+mn-cs"/>
-              </a:defRPr>
-            </a:lvl5pPr>
-            <a:lvl6pPr marL="1554480" indent="-228600" algn="l" defTabSz="914400" rtl="0" eaLnBrk="1" latinLnBrk="0" hangingPunct="1">
-              <a:lnSpc>
-                <a:spcPct val="90000"/>
-              </a:lnSpc>
-              <a:spcBef>
-                <a:spcPts val="800"/>
-              </a:spcBef>
-              <a:buClr>
-                <a:schemeClr val="tx1"/>
-              </a:buClr>
-              <a:buSzPct val="100000"/>
-              <a:buFont typeface="Arial" pitchFamily="34" charset="0"/>
-              <a:buChar char="–"/>
-              <a:defRPr sz="1600" kern="1200">
-                <a:solidFill>
-                  <a:schemeClr val="tx1"/>
-                </a:solidFill>
-                <a:latin typeface="+mn-lt"/>
-                <a:ea typeface="+mn-ea"/>
-                <a:cs typeface="+mn-cs"/>
-              </a:defRPr>
-            </a:lvl6pPr>
-            <a:lvl7pPr marL="1783080" indent="-228600" algn="l" defTabSz="914400" rtl="0" eaLnBrk="1" latinLnBrk="0" hangingPunct="1">
-              <a:lnSpc>
-                <a:spcPct val="90000"/>
-              </a:lnSpc>
-              <a:spcBef>
-                <a:spcPts val="800"/>
-              </a:spcBef>
-              <a:buClr>
-                <a:schemeClr val="tx1"/>
-              </a:buClr>
-              <a:buSzPct val="80000"/>
-              <a:buFont typeface="Wingdings" pitchFamily="2" charset="2"/>
-              <a:buChar char="§"/>
-              <a:defRPr sz="1600" kern="1200">
-                <a:solidFill>
-                  <a:schemeClr val="tx1"/>
-                </a:solidFill>
-                <a:latin typeface="+mn-lt"/>
-                <a:ea typeface="+mn-ea"/>
-                <a:cs typeface="+mn-cs"/>
-              </a:defRPr>
-            </a:lvl7pPr>
-            <a:lvl8pPr marL="2011680" indent="-228600" algn="l" defTabSz="914400" rtl="0" eaLnBrk="1" latinLnBrk="0" hangingPunct="1">
-              <a:lnSpc>
-                <a:spcPct val="90000"/>
-              </a:lnSpc>
-              <a:spcBef>
-                <a:spcPts val="800"/>
-              </a:spcBef>
-              <a:buClr>
-                <a:schemeClr val="tx1"/>
-              </a:buClr>
-              <a:buSzPct val="100000"/>
-              <a:buFont typeface="Arial" pitchFamily="34" charset="0"/>
-              <a:buChar char="–"/>
-              <a:defRPr sz="1600" kern="1200">
-                <a:solidFill>
-                  <a:schemeClr val="tx1"/>
-                </a:solidFill>
-                <a:latin typeface="+mn-lt"/>
-                <a:ea typeface="+mn-ea"/>
-                <a:cs typeface="+mn-cs"/>
-              </a:defRPr>
-            </a:lvl8pPr>
-            <a:lvl9pPr marL="2240280" indent="-228600" algn="l" defTabSz="914400" rtl="0" eaLnBrk="1" latinLnBrk="0" hangingPunct="1">
-              <a:lnSpc>
-                <a:spcPct val="90000"/>
-              </a:lnSpc>
-              <a:spcBef>
-                <a:spcPts val="800"/>
-              </a:spcBef>
-              <a:buClr>
-                <a:schemeClr val="tx1"/>
-              </a:buClr>
-              <a:buSzPct val="80000"/>
-              <a:buFont typeface="Wingdings" pitchFamily="2" charset="2"/>
-              <a:buChar char="§"/>
-              <a:defRPr sz="1600" kern="1200">
-                <a:solidFill>
-                  <a:schemeClr val="tx1"/>
-                </a:solidFill>
-                <a:latin typeface="+mn-lt"/>
-                <a:ea typeface="+mn-ea"/>
-                <a:cs typeface="+mn-cs"/>
-              </a:defRPr>
-            </a:lvl9pPr>
-          </a:lstStyle>
-          <a:p>
-            <a:endParaRPr lang="en-US" sz="1600" dirty="0"/>
-          </a:p>
-        </p:txBody>
-      </p:sp>
-    </p:spTree>
-    <p:extLst>
-      <p:ext uri="{BB962C8B-B14F-4D97-AF65-F5344CB8AC3E}">
-        <p14:creationId xmlns:p14="http://schemas.microsoft.com/office/powerpoint/2010/main" val="3224243975"/>
-      </p:ext>
-    </p:extLst>
-  </p:cSld>
-  <p:clrMapOvr>
-    <a:masterClrMapping/>
-  </p:clrMapOvr>
-  <mc:AlternateContent xmlns:mc="http://schemas.openxmlformats.org/markup-compatibility/2006" xmlns:p14="http://schemas.microsoft.com/office/powerpoint/2010/main">
-    <mc:Choice Requires="p14">
-      <p:transition spd="med" p14:dur="700">
-        <p:fade/>
-      </p:transition>
-    </mc:Choice>
-    <mc:Fallback xmlns="">
-      <p:transition spd="med">
-        <p:fade/>
-      </p:transition>
-    </mc:Fallback>
-  </mc:AlternateContent>
-</p:sld>
-</file>
-
-<file path=ppt/slides/slide8.xml><?xml version="1.0" encoding="utf-8"?>
+<file path=ppt/slides/slide9.xml><?xml version="1.0" encoding="utf-8"?>
 <p:sld xmlns:a="http://schemas.openxmlformats.org/drawingml/2006/main" xmlns:r="http://schemas.openxmlformats.org/officeDocument/2006/relationships" xmlns:p="http://schemas.openxmlformats.org/presentationml/2006/main">
   <p:cSld>
     <p:spTree>
